--- a/Slides/04. Análise Sintática.pptx
+++ b/Slides/04. Análise Sintática.pptx
@@ -670,7 +670,7 @@
   <pc:docChgLst>
     <pc:chgData name="Judson Santiago" userId="ebb108da2f256286" providerId="LiveId" clId="{05D30464-83D9-407D-A9AF-DCA005C2B30E}"/>
     <pc:docChg chg="undo custSel addSld delSld modSld sldOrd">
-      <pc:chgData name="Judson Santiago" userId="ebb108da2f256286" providerId="LiveId" clId="{05D30464-83D9-407D-A9AF-DCA005C2B30E}" dt="2021-03-10T17:48:10.681" v="2544"/>
+      <pc:chgData name="Judson Santiago" userId="ebb108da2f256286" providerId="LiveId" clId="{05D30464-83D9-407D-A9AF-DCA005C2B30E}" dt="2021-03-13T05:59:22.897" v="2545" actId="20577"/>
       <pc:docMkLst>
         <pc:docMk/>
       </pc:docMkLst>
@@ -1951,7 +1951,7 @@
         </pc:grpChg>
       </pc:sldChg>
       <pc:sldChg chg="addSp delSp modSp new mod">
-        <pc:chgData name="Judson Santiago" userId="ebb108da2f256286" providerId="LiveId" clId="{05D30464-83D9-407D-A9AF-DCA005C2B30E}" dt="2021-03-09T05:15:42.231" v="1724" actId="113"/>
+        <pc:chgData name="Judson Santiago" userId="ebb108da2f256286" providerId="LiveId" clId="{05D30464-83D9-407D-A9AF-DCA005C2B30E}" dt="2021-03-13T05:59:22.897" v="2545" actId="20577"/>
         <pc:sldMkLst>
           <pc:docMk/>
           <pc:sldMk cId="2743137979" sldId="324"/>
@@ -1965,7 +1965,7 @@
           </ac:spMkLst>
         </pc:spChg>
         <pc:spChg chg="mod">
-          <ac:chgData name="Judson Santiago" userId="ebb108da2f256286" providerId="LiveId" clId="{05D30464-83D9-407D-A9AF-DCA005C2B30E}" dt="2021-03-09T05:09:53.916" v="1558" actId="20577"/>
+          <ac:chgData name="Judson Santiago" userId="ebb108da2f256286" providerId="LiveId" clId="{05D30464-83D9-407D-A9AF-DCA005C2B30E}" dt="2021-03-13T05:59:22.897" v="2545" actId="20577"/>
           <ac:spMkLst>
             <pc:docMk/>
             <pc:sldMk cId="2743137979" sldId="324"/>
@@ -2348,7 +2348,7 @@
             <a:pPr rtl="0"/>
             <a:fld id="{6BFEDBB9-17B2-4B3E-927F-6A2C95FBF9DC}" type="datetime1">
               <a:rPr lang="pt-BR" smtClean="0"/>
-              <a:t>10/03/2021</a:t>
+              <a:t>13/03/2021</a:t>
             </a:fld>
             <a:endParaRPr lang="pt-BR" dirty="0"/>
           </a:p>
@@ -2518,7 +2518,7 @@
             <a:pPr rtl="0"/>
             <a:fld id="{7CFDB409-DC9D-40CF-939D-973CAB3BAB25}" type="datetime1">
               <a:rPr lang="pt-BR" noProof="0" smtClean="0"/>
-              <a:t>10/03/2021</a:t>
+              <a:t>13/03/2021</a:t>
             </a:fld>
             <a:endParaRPr lang="pt-BR" noProof="0" dirty="0"/>
           </a:p>
@@ -5484,7 +5484,7 @@
             <a:pPr rtl="0"/>
             <a:fld id="{7386073F-07CC-4F54-983C-A08F76E2B22C}" type="datetime1">
               <a:rPr lang="pt-BR" noProof="0" smtClean="0"/>
-              <a:t>10/03/2021</a:t>
+              <a:t>13/03/2021</a:t>
             </a:fld>
             <a:endParaRPr lang="pt-BR" noProof="0" dirty="0"/>
           </a:p>
@@ -5708,7 +5708,7 @@
             <a:pPr rtl="0"/>
             <a:fld id="{A09B9D17-E8D2-48F1-BB8E-8435624068C9}" type="datetime1">
               <a:rPr lang="pt-BR" noProof="0" smtClean="0"/>
-              <a:t>10/03/2021</a:t>
+              <a:t>13/03/2021</a:t>
             </a:fld>
             <a:endParaRPr lang="pt-BR" noProof="0" dirty="0"/>
           </a:p>
@@ -5996,7 +5996,7 @@
             <a:pPr rtl="0"/>
             <a:fld id="{3CC651F5-80DD-4CFE-BBBA-2C23591EF509}" type="datetime1">
               <a:rPr lang="pt-BR" noProof="0" smtClean="0"/>
-              <a:t>10/03/2021</a:t>
+              <a:t>13/03/2021</a:t>
             </a:fld>
             <a:endParaRPr lang="pt-BR" noProof="0" dirty="0"/>
           </a:p>
@@ -6326,7 +6326,7 @@
             <a:pPr rtl="0"/>
             <a:fld id="{E20F3F8A-A3F9-49EF-8A63-4F3E8648871C}" type="datetime1">
               <a:rPr lang="pt-BR" noProof="0" smtClean="0"/>
-              <a:t>10/03/2021</a:t>
+              <a:t>13/03/2021</a:t>
             </a:fld>
             <a:endParaRPr lang="pt-BR" noProof="0" dirty="0"/>
           </a:p>
@@ -6808,7 +6808,7 @@
             <a:pPr rtl="0"/>
             <a:fld id="{DEB5B092-D646-433C-8E29-1081397BD56B}" type="datetime1">
               <a:rPr lang="pt-BR" noProof="0" smtClean="0"/>
-              <a:t>10/03/2021</a:t>
+              <a:t>13/03/2021</a:t>
             </a:fld>
             <a:endParaRPr lang="pt-BR" noProof="0" dirty="0"/>
           </a:p>
@@ -6936,7 +6936,7 @@
             <a:pPr rtl="0"/>
             <a:fld id="{BB4CE6DC-A634-42A5-81DE-6C671B621413}" type="datetime1">
               <a:rPr lang="pt-BR" noProof="0" smtClean="0"/>
-              <a:t>10/03/2021</a:t>
+              <a:t>13/03/2021</a:t>
             </a:fld>
             <a:endParaRPr lang="pt-BR" noProof="0" dirty="0"/>
           </a:p>
@@ -7256,7 +7256,7 @@
             <a:pPr rtl="0"/>
             <a:fld id="{D2212A4E-660E-4296-8499-89CF1C51321A}" type="datetime1">
               <a:rPr lang="pt-BR" noProof="0" smtClean="0"/>
-              <a:t>10/03/2021</a:t>
+              <a:t>13/03/2021</a:t>
             </a:fld>
             <a:endParaRPr lang="pt-BR" noProof="0" dirty="0"/>
           </a:p>
@@ -7594,7 +7594,7 @@
             <a:pPr rtl="0"/>
             <a:fld id="{B1912D32-F3CE-450A-AE4E-30B99005B8FD}" type="datetime1">
               <a:rPr lang="pt-BR" noProof="0" smtClean="0"/>
-              <a:t>10/03/2021</a:t>
+              <a:t>13/03/2021</a:t>
             </a:fld>
             <a:endParaRPr lang="pt-BR" noProof="0" dirty="0"/>
           </a:p>
@@ -7792,7 +7792,7 @@
             <a:pPr rtl="0"/>
             <a:fld id="{7B7F50BC-2F98-4AAD-BE27-6A84E4E8AC1C}" type="datetime1">
               <a:rPr lang="pt-BR" noProof="0" smtClean="0"/>
-              <a:t>10/03/2021</a:t>
+              <a:t>13/03/2021</a:t>
             </a:fld>
             <a:endParaRPr lang="pt-BR" noProof="0" dirty="0"/>
           </a:p>
@@ -8043,7 +8043,7 @@
             <a:pPr rtl="0"/>
             <a:fld id="{BFCDB3FC-E508-4872-9DA3-DD0C1E84DD1A}" type="datetime1">
               <a:rPr lang="pt-BR" noProof="0" smtClean="0"/>
-              <a:t>10/03/2021</a:t>
+              <a:t>13/03/2021</a:t>
             </a:fld>
             <a:endParaRPr lang="pt-BR" noProof="0" dirty="0"/>
           </a:p>
@@ -30570,7 +30570,7 @@
                   </a:schemeClr>
                 </a:solidFill>
               </a:rPr>
-              <a:t>não pode haver dúvidas </a:t>
+              <a:t>não podem haver dúvidas </a:t>
             </a:r>
             <a:r>
               <a:rPr lang="pt-BR" dirty="0"/>
@@ -51459,15 +51459,6 @@
 </file>
 
 <file path=customXml/item1.xml><?xml version="1.0" encoding="utf-8"?>
-<?mso-contentType ?>
-<FormTemplates xmlns="http://schemas.microsoft.com/sharepoint/v3/contenttype/forms">
-  <Display>DocumentLibraryForm</Display>
-  <Edit>DocumentLibraryForm</Edit>
-  <New>DocumentLibraryForm</New>
-</FormTemplates>
-</file>
-
-<file path=customXml/item2.xml><?xml version="1.0" encoding="utf-8"?>
 <ct:contentTypeSchema xmlns:ct="http://schemas.microsoft.com/office/2006/metadata/contentType" xmlns:ma="http://schemas.microsoft.com/office/2006/metadata/properties/metaAttributes" ct:_="" ma:_="" ma:contentTypeName="Document" ma:contentTypeID="0x010100AA3F7D94069FF64A86F7DFF56D60E3BE" ma:contentTypeVersion="6" ma:contentTypeDescription="Create a new document." ma:contentTypeScope="" ma:versionID="c32302c77d4085ecf495bdddb7f5e889">
   <xsd:schema xmlns:xsd="http://www.w3.org/2001/XMLSchema" xmlns:xs="http://www.w3.org/2001/XMLSchema" xmlns:p="http://schemas.microsoft.com/office/2006/metadata/properties" xmlns:ns2="a4f35948-e619-41b3-aa29-22878b09cfd2" xmlns:ns3="40262f94-9f35-4ac3-9a90-690165a166b7" targetNamespace="http://schemas.microsoft.com/office/2006/metadata/properties" ma:root="true" ma:fieldsID="4ab5ae46be95f9d0be6107e8200be7a2" ns2:_="" ns3:_="">
     <xsd:import namespace="a4f35948-e619-41b3-aa29-22878b09cfd2"/>
@@ -51648,6 +51639,15 @@
 </ct:contentTypeSchema>
 </file>
 
+<file path=customXml/item2.xml><?xml version="1.0" encoding="utf-8"?>
+<?mso-contentType ?>
+<FormTemplates xmlns="http://schemas.microsoft.com/sharepoint/v3/contenttype/forms">
+  <Display>DocumentLibraryForm</Display>
+  <Edit>DocumentLibraryForm</Edit>
+  <New>DocumentLibraryForm</New>
+</FormTemplates>
+</file>
+
 <file path=customXml/item3.xml><?xml version="1.0" encoding="utf-8"?>
 <p:properties xmlns:p="http://schemas.microsoft.com/office/2006/metadata/properties" xmlns:xsi="http://www.w3.org/2001/XMLSchema-instance" xmlns:pc="http://schemas.microsoft.com/office/infopath/2007/PartnerControls">
   <documentManagement>
@@ -51660,14 +51660,6 @@
 </file>
 
 <file path=customXml/itemProps1.xml><?xml version="1.0" encoding="utf-8"?>
-<ds:datastoreItem xmlns:ds="http://schemas.openxmlformats.org/officeDocument/2006/customXml" ds:itemID="{2B6DE00F-F2BC-4082-AB87-D0D78777DE1E}">
-  <ds:schemaRefs>
-    <ds:schemaRef ds:uri="http://schemas.microsoft.com/sharepoint/v3/contenttype/forms"/>
-  </ds:schemaRefs>
-</ds:datastoreItem>
-</file>
-
-<file path=customXml/itemProps2.xml><?xml version="1.0" encoding="utf-8"?>
 <ds:datastoreItem xmlns:ds="http://schemas.openxmlformats.org/officeDocument/2006/customXml" ds:itemID="{E6A2223A-9182-462D-922F-5606A5A90760}">
   <ds:schemaRefs>
     <ds:schemaRef ds:uri="http://schemas.microsoft.com/office/2006/metadata/contentType"/>
@@ -51686,6 +51678,14 @@
 </ds:datastoreItem>
 </file>
 
+<file path=customXml/itemProps2.xml><?xml version="1.0" encoding="utf-8"?>
+<ds:datastoreItem xmlns:ds="http://schemas.openxmlformats.org/officeDocument/2006/customXml" ds:itemID="{2B6DE00F-F2BC-4082-AB87-D0D78777DE1E}">
+  <ds:schemaRefs>
+    <ds:schemaRef ds:uri="http://schemas.microsoft.com/sharepoint/v3/contenttype/forms"/>
+  </ds:schemaRefs>
+</ds:datastoreItem>
+</file>
+
 <file path=customXml/itemProps3.xml><?xml version="1.0" encoding="utf-8"?>
 <ds:datastoreItem xmlns:ds="http://schemas.openxmlformats.org/officeDocument/2006/customXml" ds:itemID="{045C5BB1-9D2C-412A-AE6C-0FC75190A4CE}">
   <ds:schemaRefs>
